--- a/2. CSS basics/2.06 Specify CSS lengths/Lecture/Specify CSS lengths.pptx
+++ b/2. CSS basics/2.06 Specify CSS lengths/Lecture/Specify CSS lengths.pptx
@@ -2750,7 +2750,7 @@
         <p:spPr>
           <a:xfrm>
             <a:off x="0" y="0"/>
-            <a:ext cx="9155520" cy="6855840"/>
+            <a:ext cx="9155160" cy="6855480"/>
           </a:xfrm>
           <a:prstGeom prst="rect">
             <a:avLst/>
@@ -2814,7 +2814,7 @@
         <p:spPr>
           <a:xfrm>
             <a:off x="5364000" y="3559680"/>
-            <a:ext cx="4219560" cy="4219560"/>
+            <a:ext cx="4219200" cy="4219200"/>
           </a:xfrm>
           <a:prstGeom prst="ellipse">
             <a:avLst/>
@@ -2852,7 +2852,7 @@
         <p:spPr>
           <a:xfrm>
             <a:off x="5586840" y="-2259720"/>
-            <a:ext cx="4250520" cy="4250520"/>
+            <a:ext cx="4250160" cy="4250160"/>
           </a:xfrm>
           <a:prstGeom prst="ellipse">
             <a:avLst/>
@@ -2924,7 +2924,7 @@
         <p:spPr>
           <a:xfrm>
             <a:off x="-2340720" y="0"/>
-            <a:ext cx="4930560" cy="4930560"/>
+            <a:ext cx="4930200" cy="4930200"/>
           </a:xfrm>
           <a:prstGeom prst="ellipse">
             <a:avLst/>
@@ -2962,7 +2962,7 @@
         <p:spPr>
           <a:xfrm>
             <a:off x="5148000" y="2781000"/>
-            <a:ext cx="1980720" cy="1980720"/>
+            <a:ext cx="1980360" cy="1980360"/>
           </a:xfrm>
           <a:prstGeom prst="ellipse">
             <a:avLst/>
@@ -3004,7 +3004,7 @@
         <p:spPr>
           <a:xfrm>
             <a:off x="5797800" y="402840"/>
-            <a:ext cx="2977560" cy="786600"/>
+            <a:ext cx="2977200" cy="786240"/>
           </a:xfrm>
           <a:prstGeom prst="rect">
             <a:avLst/>
@@ -3041,13 +3041,7 @@
               <a:rPr b="0" lang="da-DK" sz="4400" spc="-1" strike="noStrike">
                 <a:latin typeface="Arial"/>
               </a:rPr>
-              <a:t>Klik for at redigere </a:t>
-            </a:r>
-            <a:r>
-              <a:rPr b="0" lang="da-DK" sz="4400" spc="-1" strike="noStrike">
-                <a:latin typeface="Arial"/>
-              </a:rPr>
-              <a:t>titeltekstens format</a:t>
+              <a:t>Klik for at redigere titeltekstens format</a:t>
             </a:r>
             <a:endParaRPr b="0" lang="da-DK" sz="4400" spc="-1" strike="noStrike">
               <a:latin typeface="Arial"/>
@@ -3321,7 +3315,7 @@
         <p:spPr>
           <a:xfrm>
             <a:off x="-4680" y="5140080"/>
-            <a:ext cx="9141840" cy="1743120"/>
+            <a:ext cx="9141480" cy="1742760"/>
           </a:xfrm>
           <a:prstGeom prst="rect">
             <a:avLst/>
@@ -3419,7 +3413,7 @@
         <p:spPr>
           <a:xfrm>
             <a:off x="2186640" y="5045760"/>
-            <a:ext cx="2108520" cy="2108520"/>
+            <a:ext cx="2108160" cy="2108160"/>
           </a:xfrm>
           <a:prstGeom prst="ellipse">
             <a:avLst/>
@@ -3457,7 +3451,7 @@
         <p:spPr>
           <a:xfrm>
             <a:off x="755640" y="5802480"/>
-            <a:ext cx="2108520" cy="2108520"/>
+            <a:ext cx="2108160" cy="2108160"/>
           </a:xfrm>
           <a:prstGeom prst="ellipse">
             <a:avLst/>
@@ -3499,7 +3493,7 @@
         <p:spPr>
           <a:xfrm>
             <a:off x="5922360" y="5914800"/>
-            <a:ext cx="2977560" cy="786600"/>
+            <a:ext cx="2977200" cy="786240"/>
           </a:xfrm>
           <a:prstGeom prst="rect">
             <a:avLst/>
@@ -3769,7 +3763,7 @@
         <p:spPr>
           <a:xfrm>
             <a:off x="755640" y="5348880"/>
-            <a:ext cx="6398640" cy="1750320"/>
+            <a:ext cx="6398280" cy="1749960"/>
           </a:xfrm>
           <a:prstGeom prst="rect">
             <a:avLst/>
@@ -3870,7 +3864,7 @@
         <p:spPr>
           <a:xfrm>
             <a:off x="755640" y="5348880"/>
-            <a:ext cx="6398640" cy="1750320"/>
+            <a:ext cx="6398280" cy="1749960"/>
           </a:xfrm>
           <a:prstGeom prst="rect">
             <a:avLst/>
@@ -3922,7 +3916,7 @@
         <p:spPr>
           <a:xfrm>
             <a:off x="3312000" y="6489360"/>
-            <a:ext cx="912240" cy="912240"/>
+            <a:ext cx="911880" cy="911880"/>
           </a:xfrm>
           <a:prstGeom prst="rect">
             <a:avLst/>
@@ -3955,7 +3949,7 @@
         <p:spPr>
           <a:xfrm>
             <a:off x="1080000" y="1872000"/>
-            <a:ext cx="6334920" cy="1113120"/>
+            <a:ext cx="6334560" cy="1112760"/>
           </a:xfrm>
           <a:prstGeom prst="rect">
             <a:avLst/>
@@ -4095,7 +4089,7 @@
         <p:spPr>
           <a:xfrm>
             <a:off x="1313640" y="1152000"/>
-            <a:ext cx="4468680" cy="1078200"/>
+            <a:ext cx="4468320" cy="1077840"/>
           </a:xfrm>
           <a:prstGeom prst="rect">
             <a:avLst/>
@@ -4177,7 +4171,7 @@
         <p:spPr>
           <a:xfrm>
             <a:off x="648000" y="106200"/>
-            <a:ext cx="6838200" cy="771120"/>
+            <a:ext cx="6837840" cy="770760"/>
           </a:xfrm>
           <a:prstGeom prst="rect">
             <a:avLst/>
@@ -4247,7 +4241,7 @@
         <p:spPr>
           <a:xfrm>
             <a:off x="1248120" y="2664000"/>
-            <a:ext cx="4468680" cy="540000"/>
+            <a:ext cx="4468320" cy="539640"/>
           </a:xfrm>
           <a:prstGeom prst="rect">
             <a:avLst/>
@@ -4297,7 +4291,7 @@
         <p:spPr>
           <a:xfrm>
             <a:off x="659880" y="936000"/>
-            <a:ext cx="2770200" cy="259200"/>
+            <a:ext cx="2769840" cy="258840"/>
           </a:xfrm>
           <a:prstGeom prst="rect">
             <a:avLst/>
@@ -4346,7 +4340,7 @@
         <p:spPr>
           <a:xfrm>
             <a:off x="576000" y="2448000"/>
-            <a:ext cx="5374080" cy="429840"/>
+            <a:ext cx="5373720" cy="429480"/>
           </a:xfrm>
           <a:prstGeom prst="rect">
             <a:avLst/>
@@ -4395,7 +4389,7 @@
         <p:spPr>
           <a:xfrm>
             <a:off x="1248120" y="3364920"/>
-            <a:ext cx="4468680" cy="540000"/>
+            <a:ext cx="4468320" cy="539640"/>
           </a:xfrm>
           <a:prstGeom prst="rect">
             <a:avLst/>
@@ -4445,7 +4439,7 @@
         <p:spPr>
           <a:xfrm>
             <a:off x="567360" y="3141360"/>
-            <a:ext cx="7054200" cy="429840"/>
+            <a:ext cx="7053840" cy="429480"/>
           </a:xfrm>
           <a:prstGeom prst="rect">
             <a:avLst/>
@@ -4494,7 +4488,7 @@
         <p:spPr>
           <a:xfrm>
             <a:off x="576000" y="3717360"/>
-            <a:ext cx="8062200" cy="456840"/>
+            <a:ext cx="8061840" cy="456480"/>
           </a:xfrm>
           <a:prstGeom prst="rect">
             <a:avLst/>
@@ -4543,7 +4537,7 @@
         <p:spPr>
           <a:xfrm>
             <a:off x="1251000" y="4608000"/>
-            <a:ext cx="2131200" cy="314640"/>
+            <a:ext cx="2130840" cy="314280"/>
           </a:xfrm>
           <a:prstGeom prst="rect">
             <a:avLst/>
@@ -4592,7 +4586,7 @@
         <p:spPr>
           <a:xfrm>
             <a:off x="576000" y="4392000"/>
-            <a:ext cx="7054200" cy="429840"/>
+            <a:ext cx="7053840" cy="429480"/>
           </a:xfrm>
           <a:prstGeom prst="rect">
             <a:avLst/>
@@ -4690,7 +4684,7 @@
         <p:spPr>
           <a:xfrm>
             <a:off x="648000" y="106200"/>
-            <a:ext cx="6838200" cy="771120"/>
+            <a:ext cx="6837840" cy="770760"/>
           </a:xfrm>
           <a:prstGeom prst="rect">
             <a:avLst/>
@@ -4750,7 +4744,7 @@
         <p:spPr>
           <a:xfrm>
             <a:off x="864000" y="1008000"/>
-            <a:ext cx="2374200" cy="314280"/>
+            <a:ext cx="2373840" cy="313920"/>
           </a:xfrm>
           <a:prstGeom prst="rect">
             <a:avLst/>
@@ -4809,7 +4803,7 @@
         <p:spPr>
           <a:xfrm>
             <a:off x="648000" y="576000"/>
-            <a:ext cx="8350200" cy="528840"/>
+            <a:ext cx="8349840" cy="528480"/>
           </a:xfrm>
           <a:prstGeom prst="rect">
             <a:avLst/>
@@ -4862,7 +4856,7 @@
         <p:spPr>
           <a:xfrm>
             <a:off x="792000" y="1333080"/>
-            <a:ext cx="6622200" cy="465120"/>
+            <a:ext cx="6621840" cy="464760"/>
           </a:xfrm>
           <a:prstGeom prst="rect">
             <a:avLst/>
@@ -4881,7 +4875,7 @@
         <p:spPr>
           <a:xfrm>
             <a:off x="864000" y="2664000"/>
-            <a:ext cx="2374200" cy="765720"/>
+            <a:ext cx="2373840" cy="765360"/>
           </a:xfrm>
           <a:prstGeom prst="rect">
             <a:avLst/>
@@ -4970,7 +4964,7 @@
         <p:spPr>
           <a:xfrm>
             <a:off x="648000" y="2304000"/>
-            <a:ext cx="8350200" cy="286200"/>
+            <a:ext cx="8349840" cy="285840"/>
           </a:xfrm>
           <a:prstGeom prst="rect">
             <a:avLst/>
@@ -5068,7 +5062,7 @@
         <p:spPr>
           <a:xfrm>
             <a:off x="648000" y="106200"/>
-            <a:ext cx="6838200" cy="771120"/>
+            <a:ext cx="6837840" cy="770760"/>
           </a:xfrm>
           <a:prstGeom prst="rect">
             <a:avLst/>
@@ -5128,7 +5122,7 @@
         <p:spPr>
           <a:xfrm>
             <a:off x="864000" y="1008000"/>
-            <a:ext cx="2374200" cy="314280"/>
+            <a:ext cx="2373840" cy="313920"/>
           </a:xfrm>
           <a:prstGeom prst="rect">
             <a:avLst/>
@@ -5154,7 +5148,7 @@
         <p:spPr>
           <a:xfrm>
             <a:off x="864000" y="2664000"/>
-            <a:ext cx="2374200" cy="765720"/>
+            <a:ext cx="2373840" cy="765360"/>
           </a:xfrm>
           <a:prstGeom prst="rect">
             <a:avLst/>
@@ -5180,7 +5174,7 @@
         <p:spPr>
           <a:xfrm>
             <a:off x="648000" y="2304000"/>
-            <a:ext cx="8350200" cy="286200"/>
+            <a:ext cx="8349840" cy="285840"/>
           </a:xfrm>
           <a:prstGeom prst="rect">
             <a:avLst/>
@@ -5206,7 +5200,7 @@
         <p:spPr>
           <a:xfrm>
             <a:off x="648000" y="693720"/>
-            <a:ext cx="3454560" cy="600840"/>
+            <a:ext cx="3454200" cy="600480"/>
           </a:xfrm>
           <a:prstGeom prst="rect">
             <a:avLst/>
@@ -5255,7 +5249,7 @@
         <p:spPr>
           <a:xfrm>
             <a:off x="631800" y="1440000"/>
-            <a:ext cx="2247120" cy="600840"/>
+            <a:ext cx="2246760" cy="600480"/>
           </a:xfrm>
           <a:prstGeom prst="rect">
             <a:avLst/>
@@ -5464,7 +5458,7 @@
         <p:spPr>
           <a:xfrm>
             <a:off x="648000" y="3789720"/>
-            <a:ext cx="5758920" cy="601200"/>
+            <a:ext cx="5758560" cy="600840"/>
           </a:xfrm>
           <a:prstGeom prst="rect">
             <a:avLst/>
@@ -5539,7 +5533,7 @@
         <p:spPr>
           <a:xfrm>
             <a:off x="648000" y="1422000"/>
-            <a:ext cx="7919280" cy="2393280"/>
+            <a:ext cx="7918920" cy="2392920"/>
           </a:xfrm>
           <a:prstGeom prst="rect">
             <a:avLst/>
@@ -5757,7 +5751,7 @@
         <p:spPr>
           <a:xfrm>
             <a:off x="648000" y="1422000"/>
-            <a:ext cx="7919280" cy="2393280"/>
+            <a:ext cx="7918920" cy="2392920"/>
           </a:xfrm>
           <a:prstGeom prst="rect">
             <a:avLst/>
@@ -5806,37 +5800,7 @@
             </a:endParaRPr>
           </a:p>
           <a:p>
-            <a:pPr>
-              <a:lnSpc>
-                <a:spcPct val="100000"/>
-              </a:lnSpc>
-            </a:pPr>
-            <a:r>
-              <a:rPr b="0" lang="da-DK" sz="1800" spc="-1" strike="noStrike">
-                <a:solidFill>
-                  <a:srgbClr val="000000"/>
-                </a:solidFill>
-                <a:latin typeface="Arial"/>
-                <a:ea typeface="DejaVu Sans"/>
-              </a:rPr>
-              <a:t>I – Morten Bonderup – believe that most users do not change the browser default font size. Instead they use the browser zoom feature, which zooms in (or out) on everything. Therefore my approach is</a:t>
-            </a:r>
-            <a:endParaRPr b="0" lang="da-DK" sz="1800" spc="-1" strike="noStrike">
-              <a:latin typeface="Arial"/>
-            </a:endParaRPr>
-          </a:p>
-          <a:p>
-            <a:pPr>
-              <a:lnSpc>
-                <a:spcPct val="100000"/>
-              </a:lnSpc>
-            </a:pPr>
-            <a:endParaRPr b="0" lang="da-DK" sz="1800" spc="-1" strike="noStrike">
-              <a:latin typeface="Arial"/>
-            </a:endParaRPr>
-          </a:p>
-          <a:p>
-            <a:pPr marL="216000" indent="-215280">
+            <a:pPr marL="216000" indent="-214920">
               <a:lnSpc>
                 <a:spcPct val="100000"/>
               </a:lnSpc>
@@ -5862,7 +5826,7 @@
             </a:endParaRPr>
           </a:p>
           <a:p>
-            <a:pPr marL="216000" indent="-215280">
+            <a:pPr marL="216000" indent="-214920">
               <a:lnSpc>
                 <a:spcPct val="100000"/>
               </a:lnSpc>
@@ -5881,7 +5845,7 @@
                 <a:latin typeface="Arial"/>
                 <a:ea typeface="DejaVu Sans"/>
               </a:rPr>
-              <a:t>Use % and px and others for everything else </a:t>
+              <a:t>Use rem, % and px and other units where appropriate </a:t>
             </a:r>
             <a:endParaRPr b="0" lang="da-DK" sz="1800" spc="-1" strike="noStrike">
               <a:latin typeface="Arial"/>
